--- a/Project Documents/Presentation/Media Bazzar Group3.pptx
+++ b/Project Documents/Presentation/Media Bazzar Group3.pptx
@@ -126,7 +126,7 @@
   <p1510:revLst>
     <p1510:client id="{C7A14623-E85D-04BA-902F-DCD41F430E2A}" v="1605" dt="2020-10-08T14:58:40.927"/>
     <p1510:client id="{D5A960C7-8A0A-E17D-D76A-5BF81C99B267}" v="828" dt="2020-10-08T14:31:05.061"/>
-    <p1510:client id="{E4C4384F-3DC0-21A0-908D-0B2C9A099776}" v="2441" dt="2020-10-08T15:31:53.177"/>
+    <p1510:client id="{E4C4384F-3DC0-21A0-908D-0B2C9A099776}" v="2467" dt="2020-10-08T15:40:22.125"/>
   </p1510:revLst>
 </p1510:revInfo>
 </file>
@@ -22211,8 +22211,8 @@
         </p:nvSpPr>
         <p:spPr>
           <a:xfrm>
-            <a:off x="63220" y="1951882"/>
-            <a:ext cx="3820804" cy="2229933"/>
+            <a:off x="43428" y="2614921"/>
+            <a:ext cx="3820804" cy="1843985"/>
           </a:xfrm>
         </p:spPr>
         <p:txBody>
@@ -22231,7 +22231,7 @@
             </a:br>
             <a:r>
               <a:rPr lang="en-US" sz="4800" b="0" dirty="0"/>
-              <a:t>Group 3</a:t>
+              <a:t>Group 3 Melior</a:t>
             </a:r>
             <a:br>
               <a:rPr lang="en-US" sz="4800" b="0" dirty="0"/>
@@ -22543,7 +22543,7 @@
         </p:nvSpPr>
         <p:spPr>
           <a:xfrm>
-            <a:off x="480349" y="3769488"/>
+            <a:off x="480349" y="3967410"/>
             <a:ext cx="3823502" cy="369332"/>
           </a:xfrm>
           <a:prstGeom prst="rect">

--- a/Project Documents/Presentation/Media Bazzar Group3.pptx
+++ b/Project Documents/Presentation/Media Bazzar Group3.pptx
@@ -17208,7 +17208,7 @@
           <a:p>
             <a:fld id="{02AC24A9-CCB6-4F8D-B8DB-C2F3692CFA5A}" type="datetimeFigureOut">
               <a:rPr lang="en-US" smtClean="0"/>
-              <a:t>10/8/2020</a:t>
+              <a:t>10/9/2020</a:t>
             </a:fld>
             <a:endParaRPr lang="en-US" dirty="0"/>
           </a:p>
@@ -17578,7 +17578,7 @@
           <a:p>
             <a:fld id="{02AC24A9-CCB6-4F8D-B8DB-C2F3692CFA5A}" type="datetimeFigureOut">
               <a:rPr lang="en-US" smtClean="0"/>
-              <a:t>10/8/2020</a:t>
+              <a:t>10/9/2020</a:t>
             </a:fld>
             <a:endParaRPr lang="en-US"/>
           </a:p>
@@ -17787,7 +17787,7 @@
           <a:p>
             <a:fld id="{02AC24A9-CCB6-4F8D-B8DB-C2F3692CFA5A}" type="datetimeFigureOut">
               <a:rPr lang="en-US" smtClean="0"/>
-              <a:t>10/8/2020</a:t>
+              <a:t>10/9/2020</a:t>
             </a:fld>
             <a:endParaRPr lang="en-US"/>
           </a:p>
@@ -18257,7 +18257,7 @@
           <a:p>
             <a:fld id="{02AC24A9-CCB6-4F8D-B8DB-C2F3692CFA5A}" type="datetimeFigureOut">
               <a:rPr lang="en-US" smtClean="0"/>
-              <a:t>10/8/2020</a:t>
+              <a:t>10/9/2020</a:t>
             </a:fld>
             <a:endParaRPr lang="en-US"/>
           </a:p>
@@ -18711,7 +18711,7 @@
           <a:p>
             <a:fld id="{02AC24A9-CCB6-4F8D-B8DB-C2F3692CFA5A}" type="datetimeFigureOut">
               <a:rPr lang="en-US" smtClean="0"/>
-              <a:t>10/8/2020</a:t>
+              <a:t>10/9/2020</a:t>
             </a:fld>
             <a:endParaRPr lang="en-US"/>
           </a:p>
@@ -19243,7 +19243,7 @@
           <a:p>
             <a:fld id="{02AC24A9-CCB6-4F8D-B8DB-C2F3692CFA5A}" type="datetimeFigureOut">
               <a:rPr lang="en-US" smtClean="0"/>
-              <a:t>10/8/2020</a:t>
+              <a:t>10/9/2020</a:t>
             </a:fld>
             <a:endParaRPr lang="en-US"/>
           </a:p>
@@ -19942,7 +19942,7 @@
           <a:p>
             <a:fld id="{02AC24A9-CCB6-4F8D-B8DB-C2F3692CFA5A}" type="datetimeFigureOut">
               <a:rPr lang="en-US" smtClean="0"/>
-              <a:t>10/8/2020</a:t>
+              <a:t>10/9/2020</a:t>
             </a:fld>
             <a:endParaRPr lang="en-US"/>
           </a:p>
@@ -20271,7 +20271,7 @@
           <a:p>
             <a:fld id="{02AC24A9-CCB6-4F8D-B8DB-C2F3692CFA5A}" type="datetimeFigureOut">
               <a:rPr lang="en-US" smtClean="0"/>
-              <a:t>10/8/2020</a:t>
+              <a:t>10/9/2020</a:t>
             </a:fld>
             <a:endParaRPr lang="en-US"/>
           </a:p>
@@ -20384,7 +20384,7 @@
           <a:p>
             <a:fld id="{02AC24A9-CCB6-4F8D-B8DB-C2F3692CFA5A}" type="datetimeFigureOut">
               <a:rPr lang="en-US" smtClean="0"/>
-              <a:t>10/8/2020</a:t>
+              <a:t>10/9/2020</a:t>
             </a:fld>
             <a:endParaRPr lang="en-US"/>
           </a:p>
@@ -20879,7 +20879,7 @@
           <a:p>
             <a:fld id="{02AC24A9-CCB6-4F8D-B8DB-C2F3692CFA5A}" type="datetimeFigureOut">
               <a:rPr lang="en-US" smtClean="0"/>
-              <a:t>10/8/2020</a:t>
+              <a:t>10/9/2020</a:t>
             </a:fld>
             <a:endParaRPr lang="en-US" dirty="0"/>
           </a:p>
@@ -21356,7 +21356,7 @@
           <a:p>
             <a:fld id="{02AC24A9-CCB6-4F8D-B8DB-C2F3692CFA5A}" type="datetimeFigureOut">
               <a:rPr lang="en-US" smtClean="0"/>
-              <a:t>10/8/2020</a:t>
+              <a:t>10/9/2020</a:t>
             </a:fld>
             <a:endParaRPr lang="en-US"/>
           </a:p>
@@ -21599,7 +21599,7 @@
           <a:p>
             <a:fld id="{02AC24A9-CCB6-4F8D-B8DB-C2F3692CFA5A}" type="datetimeFigureOut">
               <a:rPr lang="en-US" smtClean="0"/>
-              <a:t>10/8/2020</a:t>
+              <a:t>10/9/2020</a:t>
             </a:fld>
             <a:endParaRPr lang="en-US"/>
           </a:p>
@@ -22577,6 +22577,92 @@
   <p:clrMapOvr>
     <a:masterClrMapping/>
   </p:clrMapOvr>
+  <mc:AlternateContent xmlns:mc="http://schemas.openxmlformats.org/markup-compatibility/2006">
+    <mc:Choice xmlns:p14="http://schemas.microsoft.com/office/powerpoint/2010/main" Requires="p14">
+      <p:transition spd="slow" p14:dur="3900">
+        <p14:glitter pattern="hexagon"/>
+      </p:transition>
+    </mc:Choice>
+    <mc:Fallback>
+      <p:transition spd="slow">
+        <p:fade/>
+      </p:transition>
+    </mc:Fallback>
+  </mc:AlternateContent>
+  <p:timing>
+    <p:tnLst>
+      <p:par>
+        <p:cTn id="1" dur="indefinite" restart="never" nodeType="tmRoot">
+          <p:childTnLst>
+            <p:seq concurrent="1" nextAc="seek">
+              <p:cTn id="2" dur="indefinite" nodeType="mainSeq">
+                <p:childTnLst>
+                  <p:par>
+                    <p:cTn id="3" fill="hold">
+                      <p:stCondLst>
+                        <p:cond delay="indefinite"/>
+                      </p:stCondLst>
+                      <p:childTnLst>
+                        <p:par>
+                          <p:cTn id="4" fill="hold">
+                            <p:stCondLst>
+                              <p:cond delay="0"/>
+                            </p:stCondLst>
+                            <p:childTnLst>
+                              <p:par>
+                                <p:cTn id="5" presetID="26" presetClass="emph" presetSubtype="0" fill="hold" nodeType="clickEffect">
+                                  <p:stCondLst>
+                                    <p:cond delay="0"/>
+                                  </p:stCondLst>
+                                  <p:childTnLst>
+                                    <p:animEffect transition="out" filter="fade">
+                                      <p:cBhvr>
+                                        <p:cTn id="6" dur="500" tmFilter="0, 0; .2, .5; .8, .5; 1, 0"/>
+                                        <p:tgtEl>
+                                          <p:spTgt spid="25"/>
+                                        </p:tgtEl>
+                                      </p:cBhvr>
+                                    </p:animEffect>
+                                    <p:animScale>
+                                      <p:cBhvr>
+                                        <p:cTn id="7" dur="250" autoRev="1" fill="hold"/>
+                                        <p:tgtEl>
+                                          <p:spTgt spid="25"/>
+                                        </p:tgtEl>
+                                      </p:cBhvr>
+                                      <p:by x="105000" y="105000"/>
+                                    </p:animScale>
+                                  </p:childTnLst>
+                                </p:cTn>
+                              </p:par>
+                            </p:childTnLst>
+                          </p:cTn>
+                        </p:par>
+                      </p:childTnLst>
+                    </p:cTn>
+                  </p:par>
+                </p:childTnLst>
+              </p:cTn>
+              <p:prevCondLst>
+                <p:cond evt="onPrev" delay="0">
+                  <p:tgtEl>
+                    <p:sldTgt/>
+                  </p:tgtEl>
+                </p:cond>
+              </p:prevCondLst>
+              <p:nextCondLst>
+                <p:cond evt="onNext" delay="0">
+                  <p:tgtEl>
+                    <p:sldTgt/>
+                  </p:tgtEl>
+                </p:cond>
+              </p:nextCondLst>
+            </p:seq>
+          </p:childTnLst>
+        </p:cTn>
+      </p:par>
+    </p:tnLst>
+  </p:timing>
 </p:sld>
 </file>
 
@@ -22871,7 +22957,7 @@
         </p:nvSpPr>
         <p:spPr>
           <a:xfrm>
-            <a:off x="477981" y="1122363"/>
+            <a:off x="360218" y="1984512"/>
             <a:ext cx="4023360" cy="3204134"/>
           </a:xfrm>
         </p:spPr>
@@ -22885,6 +22971,9 @@
               <a:rPr lang="en-US" sz="4800" dirty="0"/>
               <a:t>Thank you!</a:t>
             </a:r>
+            <a:br>
+              <a:rPr lang="en-US" sz="4800" dirty="0"/>
+            </a:br>
             <a:br>
               <a:rPr lang="en-US" sz="4800" dirty="0"/>
             </a:br>
@@ -23129,6 +23218,18 @@
   <p:clrMapOvr>
     <a:masterClrMapping/>
   </p:clrMapOvr>
+  <mc:AlternateContent xmlns:mc="http://schemas.openxmlformats.org/markup-compatibility/2006">
+    <mc:Choice xmlns:p15="http://schemas.microsoft.com/office/powerpoint/2012/main" Requires="p15">
+      <p:transition xmlns:p14="http://schemas.microsoft.com/office/powerpoint/2010/main" spd="slow" p14:dur="2000">
+        <p15:prstTrans prst="drape"/>
+      </p:transition>
+    </mc:Choice>
+    <mc:Fallback>
+      <p:transition spd="slow">
+        <p:fade/>
+      </p:transition>
+    </mc:Fallback>
+  </mc:AlternateContent>
 </p:sld>
 </file>
 
@@ -23481,6 +23582,18 @@
   <p:clrMapOvr>
     <a:masterClrMapping/>
   </p:clrMapOvr>
+  <mc:AlternateContent xmlns:mc="http://schemas.openxmlformats.org/markup-compatibility/2006">
+    <mc:Choice xmlns:p15="http://schemas.microsoft.com/office/powerpoint/2012/main" Requires="p15">
+      <p:transition xmlns:p14="http://schemas.microsoft.com/office/powerpoint/2010/main" spd="slow" p14:dur="2000">
+        <p15:prstTrans prst="drape"/>
+      </p:transition>
+    </mc:Choice>
+    <mc:Fallback>
+      <p:transition spd="slow">
+        <p:fade/>
+      </p:transition>
+    </mc:Fallback>
+  </mc:AlternateContent>
 </p:sld>
 </file>
 
@@ -23833,6 +23946,18 @@
   <p:clrMapOvr>
     <a:masterClrMapping/>
   </p:clrMapOvr>
+  <mc:AlternateContent xmlns:mc="http://schemas.openxmlformats.org/markup-compatibility/2006">
+    <mc:Choice xmlns:p15="http://schemas.microsoft.com/office/powerpoint/2012/main" Requires="p15">
+      <p:transition xmlns:p14="http://schemas.microsoft.com/office/powerpoint/2010/main" spd="slow" p14:dur="2000">
+        <p15:prstTrans prst="drape"/>
+      </p:transition>
+    </mc:Choice>
+    <mc:Fallback>
+      <p:transition spd="slow">
+        <p:fade/>
+      </p:transition>
+    </mc:Fallback>
+  </mc:AlternateContent>
 </p:sld>
 </file>
 
@@ -24185,6 +24310,109 @@
   <p:clrMapOvr>
     <a:masterClrMapping/>
   </p:clrMapOvr>
+  <mc:AlternateContent xmlns:mc="http://schemas.openxmlformats.org/markup-compatibility/2006">
+    <mc:Choice xmlns:p15="http://schemas.microsoft.com/office/powerpoint/2012/main" Requires="p15">
+      <p:transition xmlns:p14="http://schemas.microsoft.com/office/powerpoint/2010/main" spd="slow" p14:dur="2000">
+        <p15:prstTrans prst="drape"/>
+      </p:transition>
+    </mc:Choice>
+    <mc:Fallback>
+      <p:transition spd="slow">
+        <p:fade/>
+      </p:transition>
+    </mc:Fallback>
+  </mc:AlternateContent>
+  <p:timing>
+    <p:tnLst>
+      <p:par>
+        <p:cTn id="1" dur="indefinite" restart="never" nodeType="tmRoot">
+          <p:childTnLst>
+            <p:seq concurrent="1" nextAc="seek">
+              <p:cTn id="2" restart="whenNotActive" fill="hold" evtFilter="cancelBubble" nodeType="interactiveSeq">
+                <p:stCondLst>
+                  <p:cond evt="onClick" delay="0">
+                    <p:tgtEl>
+                      <p:spTgt spid="2"/>
+                    </p:tgtEl>
+                  </p:cond>
+                </p:stCondLst>
+                <p:endSync evt="end" delay="0">
+                  <p:rtn val="all"/>
+                </p:endSync>
+                <p:childTnLst>
+                  <p:par>
+                    <p:cTn id="3" fill="hold">
+                      <p:stCondLst>
+                        <p:cond delay="0"/>
+                      </p:stCondLst>
+                      <p:childTnLst>
+                        <p:par>
+                          <p:cTn id="4" fill="hold">
+                            <p:stCondLst>
+                              <p:cond delay="0"/>
+                            </p:stCondLst>
+                            <p:childTnLst>
+                              <p:par>
+                                <p:cTn id="5" presetID="16" presetClass="entr" presetSubtype="21" fill="hold" grpId="0" nodeType="clickEffect">
+                                  <p:stCondLst>
+                                    <p:cond delay="0"/>
+                                  </p:stCondLst>
+                                  <p:childTnLst>
+                                    <p:set>
+                                      <p:cBhvr>
+                                        <p:cTn id="6" dur="1" fill="hold">
+                                          <p:stCondLst>
+                                            <p:cond delay="0"/>
+                                          </p:stCondLst>
+                                        </p:cTn>
+                                        <p:tgtEl>
+                                          <p:spTgt spid="18"/>
+                                        </p:tgtEl>
+                                        <p:attrNameLst>
+                                          <p:attrName>style.visibility</p:attrName>
+                                        </p:attrNameLst>
+                                      </p:cBhvr>
+                                      <p:to>
+                                        <p:strVal val="visible"/>
+                                      </p:to>
+                                    </p:set>
+                                    <p:animEffect transition="in" filter="barn(inVertical)">
+                                      <p:cBhvr>
+                                        <p:cTn id="7" dur="500"/>
+                                        <p:tgtEl>
+                                          <p:spTgt spid="18"/>
+                                        </p:tgtEl>
+                                      </p:cBhvr>
+                                    </p:animEffect>
+                                  </p:childTnLst>
+                                </p:cTn>
+                              </p:par>
+                            </p:childTnLst>
+                          </p:cTn>
+                        </p:par>
+                      </p:childTnLst>
+                    </p:cTn>
+                  </p:par>
+                </p:childTnLst>
+              </p:cTn>
+              <p:nextCondLst>
+                <p:cond evt="onClick" delay="0">
+                  <p:tgtEl>
+                    <p:spTgt spid="2"/>
+                  </p:tgtEl>
+                </p:cond>
+              </p:nextCondLst>
+            </p:seq>
+          </p:childTnLst>
+        </p:cTn>
+      </p:par>
+    </p:tnLst>
+    <p:bldLst>
+      <p:bldGraphic spid="18" grpId="0">
+        <p:bldAsOne/>
+      </p:bldGraphic>
+    </p:bldLst>
+  </p:timing>
 </p:sld>
 </file>
 
@@ -24604,6 +24832,18 @@
   <p:clrMapOvr>
     <a:masterClrMapping/>
   </p:clrMapOvr>
+  <mc:AlternateContent xmlns:mc="http://schemas.openxmlformats.org/markup-compatibility/2006">
+    <mc:Choice xmlns:p15="http://schemas.microsoft.com/office/powerpoint/2012/main" Requires="p15">
+      <p:transition xmlns:p14="http://schemas.microsoft.com/office/powerpoint/2010/main" spd="slow" p14:dur="2000">
+        <p15:prstTrans prst="drape"/>
+      </p:transition>
+    </mc:Choice>
+    <mc:Fallback>
+      <p:transition spd="slow">
+        <p:fade/>
+      </p:transition>
+    </mc:Fallback>
+  </mc:AlternateContent>
 </p:sld>
 </file>
 
@@ -24956,6 +25196,18 @@
   <p:clrMapOvr>
     <a:masterClrMapping/>
   </p:clrMapOvr>
+  <mc:AlternateContent xmlns:mc="http://schemas.openxmlformats.org/markup-compatibility/2006">
+    <mc:Choice xmlns:p15="http://schemas.microsoft.com/office/powerpoint/2012/main" Requires="p15">
+      <p:transition xmlns:p14="http://schemas.microsoft.com/office/powerpoint/2010/main" spd="slow" p14:dur="2000">
+        <p15:prstTrans prst="drape"/>
+      </p:transition>
+    </mc:Choice>
+    <mc:Fallback>
+      <p:transition spd="slow">
+        <p:fade/>
+      </p:transition>
+    </mc:Fallback>
+  </mc:AlternateContent>
 </p:sld>
 </file>
 
@@ -25365,6 +25617,18 @@
   <p:clrMapOvr>
     <a:masterClrMapping/>
   </p:clrMapOvr>
+  <mc:AlternateContent xmlns:mc="http://schemas.openxmlformats.org/markup-compatibility/2006">
+    <mc:Choice xmlns:p15="http://schemas.microsoft.com/office/powerpoint/2012/main" Requires="p15">
+      <p:transition xmlns:p14="http://schemas.microsoft.com/office/powerpoint/2010/main" spd="slow" p14:dur="2000">
+        <p15:prstTrans prst="drape"/>
+      </p:transition>
+    </mc:Choice>
+    <mc:Fallback>
+      <p:transition spd="slow">
+        <p:fade/>
+      </p:transition>
+    </mc:Fallback>
+  </mc:AlternateContent>
 </p:sld>
 </file>
 
@@ -25724,6 +25988,18 @@
   <p:clrMapOvr>
     <a:masterClrMapping/>
   </p:clrMapOvr>
+  <mc:AlternateContent xmlns:mc="http://schemas.openxmlformats.org/markup-compatibility/2006">
+    <mc:Choice xmlns:p15="http://schemas.microsoft.com/office/powerpoint/2012/main" Requires="p15">
+      <p:transition xmlns:p14="http://schemas.microsoft.com/office/powerpoint/2010/main" spd="slow" p14:dur="2000">
+        <p15:prstTrans prst="drape"/>
+      </p:transition>
+    </mc:Choice>
+    <mc:Fallback>
+      <p:transition spd="slow">
+        <p:fade/>
+      </p:transition>
+    </mc:Fallback>
+  </mc:AlternateContent>
 </p:sld>
 </file>
 
@@ -26272,6 +26548,18 @@
   <p:clrMapOvr>
     <a:masterClrMapping/>
   </p:clrMapOvr>
+  <mc:AlternateContent xmlns:mc="http://schemas.openxmlformats.org/markup-compatibility/2006">
+    <mc:Choice xmlns:p15="http://schemas.microsoft.com/office/powerpoint/2012/main" Requires="p15">
+      <p:transition xmlns:p14="http://schemas.microsoft.com/office/powerpoint/2010/main" spd="slow" p14:dur="2000">
+        <p15:prstTrans prst="drape"/>
+      </p:transition>
+    </mc:Choice>
+    <mc:Fallback>
+      <p:transition spd="slow">
+        <p:fade/>
+      </p:transition>
+    </mc:Fallback>
+  </mc:AlternateContent>
 </p:sld>
 </file>
 

--- a/Project Documents/Presentation/Media Bazzar Group3.pptx
+++ b/Project Documents/Presentation/Media Bazzar Group3.pptx
@@ -22026,10 +22026,294 @@
       </p:grpSpPr>
       <p:sp useBgFill="1">
         <p:nvSpPr>
-          <p:cNvPr id="59" name="Rectangle 58">
+          <p:cNvPr id="70" name="Rectangle 69">
             <a:extLst>
               <a:ext uri="{FF2B5EF4-FFF2-40B4-BE49-F238E27FC236}">
-                <a16:creationId xmlns:a16="http://schemas.microsoft.com/office/drawing/2014/main" id="{E91DC736-0EF8-4F87-9146-EBF1D2EE4D3D}"/>
+                <a16:creationId xmlns:a16="http://schemas.microsoft.com/office/drawing/2014/main" id="{2D6FBB9D-1CAA-4D05-AB33-BABDFE17B843}"/>
+              </a:ext>
+              <a:ext uri="{C183D7F6-B498-43B3-948B-1728B52AA6E4}">
+                <adec:decorative xmlns:adec="http://schemas.microsoft.com/office/drawing/2017/decorative" val="1"/>
+              </a:ext>
+            </a:extLst>
+          </p:cNvPr>
+          <p:cNvSpPr>
+            <a:spLocks noGrp="1" noRot="1" noChangeAspect="1" noMove="1" noResize="1" noEditPoints="1" noAdjustHandles="1" noChangeArrowheads="1" noChangeShapeType="1" noTextEdit="1"/>
+          </p:cNvSpPr>
+          <p:nvPr>
+            <p:extLst>
+              <p:ext uri="{386F3935-93C4-4BCD-93E2-E3B085C9AB24}">
+                <p16:designElem xmlns:p16="http://schemas.microsoft.com/office/powerpoint/2015/main" val="1"/>
+              </p:ext>
+            </p:extLst>
+          </p:nvPr>
+        </p:nvSpPr>
+        <p:spPr>
+          <a:xfrm>
+            <a:off x="558209" y="0"/>
+            <a:ext cx="11167447" cy="2018806"/>
+          </a:xfrm>
+          <a:prstGeom prst="rect">
+            <a:avLst/>
+          </a:prstGeom>
+          <a:ln w="9525">
+            <a:solidFill>
+              <a:schemeClr val="tx2">
+                <a:lumMod val="10000"/>
+                <a:lumOff val="90000"/>
+              </a:schemeClr>
+            </a:solidFill>
+          </a:ln>
+          <a:effectLst>
+            <a:outerShdw blurRad="50800" dist="38100" dir="2700000" algn="tl" rotWithShape="0">
+              <a:schemeClr val="bg1">
+                <a:lumMod val="85000"/>
+                <a:alpha val="30000"/>
+              </a:schemeClr>
+            </a:outerShdw>
+          </a:effectLst>
+        </p:spPr>
+        <p:style>
+          <a:lnRef idx="2">
+            <a:schemeClr val="accent1">
+              <a:shade val="50000"/>
+            </a:schemeClr>
+          </a:lnRef>
+          <a:fillRef idx="1">
+            <a:schemeClr val="accent1"/>
+          </a:fillRef>
+          <a:effectRef idx="0">
+            <a:schemeClr val="accent1"/>
+          </a:effectRef>
+          <a:fontRef idx="minor">
+            <a:schemeClr val="lt1"/>
+          </a:fontRef>
+        </p:style>
+        <p:txBody>
+          <a:bodyPr rtlCol="0" anchor="ctr"/>
+          <a:lstStyle/>
+          <a:p>
+            <a:pPr marL="0" marR="0" lvl="0" indent="0" algn="ctr" defTabSz="914400" rtl="0" eaLnBrk="1" fontAlgn="auto" latinLnBrk="0" hangingPunct="1">
+              <a:lnSpc>
+                <a:spcPct val="100000"/>
+              </a:lnSpc>
+              <a:spcBef>
+                <a:spcPts val="0"/>
+              </a:spcBef>
+              <a:spcAft>
+                <a:spcPts val="0"/>
+              </a:spcAft>
+              <a:buClrTx/>
+              <a:buSzTx/>
+              <a:buFontTx/>
+              <a:buNone/>
+              <a:tabLst/>
+              <a:defRPr/>
+            </a:pPr>
+            <a:endParaRPr kumimoji="0" lang="en-US" sz="1800" b="0" i="0" u="none" strike="noStrike" kern="1200" cap="none" spc="0" normalizeH="0" baseline="0" noProof="0">
+              <a:ln>
+                <a:noFill/>
+              </a:ln>
+              <a:solidFill>
+                <a:prstClr val="white"/>
+              </a:solidFill>
+              <a:effectLst/>
+              <a:uLnTx/>
+              <a:uFillTx/>
+              <a:latin typeface="Calibri" panose="020F0502020204030204"/>
+              <a:ea typeface="+mn-ea"/>
+              <a:cs typeface="+mn-cs"/>
+            </a:endParaRPr>
+          </a:p>
+        </p:txBody>
+      </p:sp>
+      <p:sp useBgFill="1">
+        <p:nvSpPr>
+          <p:cNvPr id="72" name="Rectangle 71">
+            <a:extLst>
+              <a:ext uri="{FF2B5EF4-FFF2-40B4-BE49-F238E27FC236}">
+                <a16:creationId xmlns:a16="http://schemas.microsoft.com/office/drawing/2014/main" id="{04727B71-B4B6-4823-80A1-68C40B475118}"/>
+              </a:ext>
+              <a:ext uri="{C183D7F6-B498-43B3-948B-1728B52AA6E4}">
+                <adec:decorative xmlns:adec="http://schemas.microsoft.com/office/drawing/2017/decorative" val="1"/>
+              </a:ext>
+            </a:extLst>
+          </p:cNvPr>
+          <p:cNvSpPr>
+            <a:spLocks noGrp="1" noRot="1" noChangeAspect="1" noMove="1" noResize="1" noEditPoints="1" noAdjustHandles="1" noChangeArrowheads="1" noChangeShapeType="1" noTextEdit="1"/>
+          </p:cNvSpPr>
+          <p:nvPr>
+            <p:extLst>
+              <p:ext uri="{386F3935-93C4-4BCD-93E2-E3B085C9AB24}">
+                <p16:designElem xmlns:p16="http://schemas.microsoft.com/office/powerpoint/2015/main" val="1"/>
+              </p:ext>
+            </p:extLst>
+          </p:nvPr>
+        </p:nvSpPr>
+        <p:spPr>
+          <a:xfrm>
+            <a:off x="566928" y="0"/>
+            <a:ext cx="11155680" cy="2011680"/>
+          </a:xfrm>
+          <a:prstGeom prst="rect">
+            <a:avLst/>
+          </a:prstGeom>
+          <a:ln w="9525">
+            <a:noFill/>
+          </a:ln>
+          <a:effectLst/>
+        </p:spPr>
+        <p:style>
+          <a:lnRef idx="2">
+            <a:schemeClr val="accent1">
+              <a:shade val="50000"/>
+            </a:schemeClr>
+          </a:lnRef>
+          <a:fillRef idx="1">
+            <a:schemeClr val="accent1"/>
+          </a:fillRef>
+          <a:effectRef idx="0">
+            <a:schemeClr val="accent1"/>
+          </a:effectRef>
+          <a:fontRef idx="minor">
+            <a:schemeClr val="lt1"/>
+          </a:fontRef>
+        </p:style>
+        <p:txBody>
+          <a:bodyPr rtlCol="0" anchor="ctr"/>
+          <a:lstStyle/>
+          <a:p>
+            <a:pPr marL="0" marR="0" lvl="0" indent="0" algn="ctr" defTabSz="914400" rtl="0" eaLnBrk="1" fontAlgn="auto" latinLnBrk="0" hangingPunct="1">
+              <a:lnSpc>
+                <a:spcPct val="100000"/>
+              </a:lnSpc>
+              <a:spcBef>
+                <a:spcPts val="0"/>
+              </a:spcBef>
+              <a:spcAft>
+                <a:spcPts val="0"/>
+              </a:spcAft>
+              <a:buClrTx/>
+              <a:buSzTx/>
+              <a:buFontTx/>
+              <a:buNone/>
+              <a:tabLst/>
+              <a:defRPr/>
+            </a:pPr>
+            <a:endParaRPr kumimoji="0" lang="en-US" sz="1800" b="0" i="0" u="none" strike="noStrike" kern="1200" cap="none" spc="0" normalizeH="0" baseline="0" noProof="0">
+              <a:ln>
+                <a:noFill/>
+              </a:ln>
+              <a:solidFill>
+                <a:prstClr val="white"/>
+              </a:solidFill>
+              <a:effectLst/>
+              <a:uLnTx/>
+              <a:uFillTx/>
+              <a:latin typeface="Calibri" panose="020F0502020204030204"/>
+              <a:ea typeface="+mn-ea"/>
+              <a:cs typeface="+mn-cs"/>
+            </a:endParaRPr>
+          </a:p>
+        </p:txBody>
+      </p:sp>
+      <p:sp>
+        <p:nvSpPr>
+          <p:cNvPr id="74" name="Rectangle 73">
+            <a:extLst>
+              <a:ext uri="{FF2B5EF4-FFF2-40B4-BE49-F238E27FC236}">
+                <a16:creationId xmlns:a16="http://schemas.microsoft.com/office/drawing/2014/main" id="{79A6DB05-9FB5-4B07-8675-74C23D4FD89D}"/>
+              </a:ext>
+              <a:ext uri="{C183D7F6-B498-43B3-948B-1728B52AA6E4}">
+                <adec:decorative xmlns:adec="http://schemas.microsoft.com/office/drawing/2017/decorative" val="1"/>
+              </a:ext>
+            </a:extLst>
+          </p:cNvPr>
+          <p:cNvSpPr>
+            <a:spLocks noGrp="1" noRot="1" noChangeAspect="1" noMove="1" noResize="1" noEditPoints="1" noAdjustHandles="1" noChangeArrowheads="1" noChangeShapeType="1" noTextEdit="1"/>
+          </p:cNvSpPr>
+          <p:nvPr>
+            <p:extLst>
+              <p:ext uri="{386F3935-93C4-4BCD-93E2-E3B085C9AB24}">
+                <p16:designElem xmlns:p16="http://schemas.microsoft.com/office/powerpoint/2015/main" val="1"/>
+              </p:ext>
+            </p:extLst>
+          </p:nvPr>
+        </p:nvSpPr>
+        <p:spPr>
+          <a:xfrm>
+            <a:off x="498834" y="787352"/>
+            <a:ext cx="128016" cy="704088"/>
+          </a:xfrm>
+          <a:prstGeom prst="rect">
+            <a:avLst/>
+          </a:prstGeom>
+          <a:solidFill>
+            <a:schemeClr val="accent1"/>
+          </a:solidFill>
+          <a:ln>
+            <a:noFill/>
+          </a:ln>
+        </p:spPr>
+        <p:style>
+          <a:lnRef idx="2">
+            <a:schemeClr val="accent1">
+              <a:shade val="50000"/>
+            </a:schemeClr>
+          </a:lnRef>
+          <a:fillRef idx="1">
+            <a:schemeClr val="accent1"/>
+          </a:fillRef>
+          <a:effectRef idx="0">
+            <a:schemeClr val="accent1"/>
+          </a:effectRef>
+          <a:fontRef idx="minor">
+            <a:schemeClr val="lt1"/>
+          </a:fontRef>
+        </p:style>
+        <p:txBody>
+          <a:bodyPr rtlCol="0" anchor="ctr"/>
+          <a:lstStyle/>
+          <a:p>
+            <a:pPr marL="0" marR="0" lvl="0" indent="0" algn="ctr" defTabSz="914400" rtl="0" eaLnBrk="1" fontAlgn="auto" latinLnBrk="0" hangingPunct="1">
+              <a:lnSpc>
+                <a:spcPct val="100000"/>
+              </a:lnSpc>
+              <a:spcBef>
+                <a:spcPts val="0"/>
+              </a:spcBef>
+              <a:spcAft>
+                <a:spcPts val="0"/>
+              </a:spcAft>
+              <a:buClrTx/>
+              <a:buSzTx/>
+              <a:buFontTx/>
+              <a:buNone/>
+              <a:tabLst/>
+              <a:defRPr/>
+            </a:pPr>
+            <a:endParaRPr kumimoji="0" lang="en-US" sz="1800" b="0" i="0" u="none" strike="noStrike" kern="1200" cap="none" spc="0" normalizeH="0" baseline="0" noProof="0">
+              <a:ln>
+                <a:noFill/>
+              </a:ln>
+              <a:solidFill>
+                <a:prstClr val="white"/>
+              </a:solidFill>
+              <a:effectLst/>
+              <a:uLnTx/>
+              <a:uFillTx/>
+              <a:latin typeface="Calibri" panose="020F0502020204030204"/>
+              <a:ea typeface="+mn-ea"/>
+              <a:cs typeface="+mn-cs"/>
+            </a:endParaRPr>
+          </a:p>
+        </p:txBody>
+      </p:sp>
+      <p:sp useBgFill="1">
+        <p:nvSpPr>
+          <p:cNvPr id="76" name="Rectangle 75">
+            <a:extLst>
+              <a:ext uri="{FF2B5EF4-FFF2-40B4-BE49-F238E27FC236}">
+                <a16:creationId xmlns:a16="http://schemas.microsoft.com/office/drawing/2014/main" id="{E36BB3C5-822B-45E1-A81E-5CC3176C61A1}"/>
               </a:ext>
               <a:ext uri="{C183D7F6-B498-43B3-948B-1728B52AA6E4}">
                 <adec:decorative xmlns:adec="http://schemas.microsoft.com/office/drawing/2017/decorative" val="1"/>
@@ -22086,10 +22370,10 @@
       </p:sp>
       <p:pic>
         <p:nvPicPr>
-          <p:cNvPr id="25" name="Picture 3">
+          <p:cNvPr id="4" name="Picture 4" descr="A picture containing clock&#10;&#10;Description automatically generated">
             <a:extLst>
               <a:ext uri="{FF2B5EF4-FFF2-40B4-BE49-F238E27FC236}">
-                <a16:creationId xmlns:a16="http://schemas.microsoft.com/office/drawing/2014/main" id="{3515A88C-30A2-4BD1-B798-EC94F635DBFC}"/>
+                <a16:creationId xmlns:a16="http://schemas.microsoft.com/office/drawing/2014/main" id="{48607F76-AADC-4F36-8B7B-FFC17511ABDC}"/>
               </a:ext>
             </a:extLst>
           </p:cNvPr>
@@ -22100,25 +22384,25 @@
         </p:nvPicPr>
         <p:blipFill rotWithShape="1">
           <a:blip r:embed="rId2"/>
-          <a:srcRect l="2583" r="2617"/>
+          <a:srcRect t="25638" r="-1" b="25637"/>
           <a:stretch/>
         </p:blipFill>
         <p:spPr>
           <a:xfrm>
-            <a:off x="3504197" y="10"/>
-            <a:ext cx="8687803" cy="6857990"/>
+            <a:off x="579263" y="298485"/>
+            <a:ext cx="6288262" cy="3130515"/>
           </a:xfrm>
           <a:prstGeom prst="rect">
             <a:avLst/>
           </a:prstGeom>
         </p:spPr>
       </p:pic>
-      <p:sp>
+      <p:sp useBgFill="1">
         <p:nvSpPr>
-          <p:cNvPr id="57" name="Rectangle 60">
+          <p:cNvPr id="86" name="Rectangle 77">
             <a:extLst>
               <a:ext uri="{FF2B5EF4-FFF2-40B4-BE49-F238E27FC236}">
-                <a16:creationId xmlns:a16="http://schemas.microsoft.com/office/drawing/2014/main" id="{097CD68E-23E3-4007-8847-CD0944C4F7BE}"/>
+                <a16:creationId xmlns:a16="http://schemas.microsoft.com/office/drawing/2014/main" id="{FB39ECA9-4CDE-4883-98E8-287E905E9F07}"/>
               </a:ext>
               <a:ext uri="{C183D7F6-B498-43B3-948B-1728B52AA6E4}">
                 <adec:decorative xmlns:adec="http://schemas.microsoft.com/office/drawing/2017/decorative" val="1"/>
@@ -22138,41 +22422,28 @@
         </p:nvSpPr>
         <p:spPr>
           <a:xfrm>
-            <a:off x="0" y="0"/>
-            <a:ext cx="9756601" cy="6858000"/>
+            <a:off x="579263" y="3630934"/>
+            <a:ext cx="6288261" cy="2546028"/>
           </a:xfrm>
           <a:prstGeom prst="rect">
             <a:avLst/>
           </a:prstGeom>
-          <a:gradFill>
-            <a:gsLst>
-              <a:gs pos="58000">
-                <a:schemeClr val="bg1"/>
-              </a:gs>
-              <a:gs pos="35000">
-                <a:schemeClr val="bg1">
-                  <a:alpha val="79000"/>
-                </a:schemeClr>
-              </a:gs>
-              <a:gs pos="19000">
-                <a:schemeClr val="bg1">
-                  <a:alpha val="38000"/>
-                </a:schemeClr>
-              </a:gs>
-              <a:gs pos="0">
-                <a:schemeClr val="bg1">
-                  <a:alpha val="0"/>
-                </a:schemeClr>
-              </a:gs>
-              <a:gs pos="100000">
-                <a:schemeClr val="bg1"/>
-              </a:gs>
-            </a:gsLst>
-            <a:lin ang="10800000" scaled="0"/>
-          </a:gradFill>
-          <a:ln>
-            <a:noFill/>
+          <a:ln w="12700">
+            <a:solidFill>
+              <a:schemeClr val="tx2">
+                <a:lumMod val="10000"/>
+                <a:lumOff val="90000"/>
+              </a:schemeClr>
+            </a:solidFill>
           </a:ln>
+          <a:effectLst>
+            <a:outerShdw blurRad="50800" dist="38100" dir="2700000" algn="tl" rotWithShape="0">
+              <a:schemeClr val="bg2">
+                <a:lumMod val="85000"/>
+                <a:alpha val="30000"/>
+              </a:schemeClr>
+            </a:outerShdw>
+          </a:effectLst>
         </p:spPr>
         <p:style>
           <a:lnRef idx="2">
@@ -22194,8 +22465,37 @@
           <a:bodyPr rtlCol="0" anchor="ctr"/>
           <a:lstStyle/>
           <a:p>
-            <a:pPr algn="ctr"/>
-            <a:endParaRPr lang="en-US" dirty="0"/>
+            <a:pPr marL="0" marR="0" lvl="0" indent="0" algn="ctr" defTabSz="914400" rtl="0" eaLnBrk="1" fontAlgn="auto" latinLnBrk="0" hangingPunct="1">
+              <a:lnSpc>
+                <a:spcPct val="100000"/>
+              </a:lnSpc>
+              <a:spcBef>
+                <a:spcPts val="0"/>
+              </a:spcBef>
+              <a:spcAft>
+                <a:spcPts val="0"/>
+              </a:spcAft>
+              <a:buClrTx/>
+              <a:buSzTx/>
+              <a:buFontTx/>
+              <a:buNone/>
+              <a:tabLst/>
+              <a:defRPr/>
+            </a:pPr>
+            <a:endParaRPr kumimoji="0" lang="en-US" sz="1800" b="0" i="0" u="none" strike="noStrike" kern="1200" cap="none" spc="0" normalizeH="0" baseline="0" noProof="0">
+              <a:ln>
+                <a:noFill/>
+              </a:ln>
+              <a:solidFill>
+                <a:prstClr val="white"/>
+              </a:solidFill>
+              <a:effectLst/>
+              <a:uLnTx/>
+              <a:uFillTx/>
+              <a:latin typeface="Calibri" panose="020F0502020204030204"/>
+              <a:ea typeface="+mn-ea"/>
+              <a:cs typeface="+mn-cs"/>
+            </a:endParaRPr>
           </a:p>
         </p:txBody>
       </p:sp>
@@ -22211,137 +22511,36 @@
         </p:nvSpPr>
         <p:spPr>
           <a:xfrm>
-            <a:off x="43428" y="2614921"/>
-            <a:ext cx="3820804" cy="1843985"/>
+            <a:off x="841248" y="3849689"/>
+            <a:ext cx="2111122" cy="2105025"/>
           </a:xfrm>
         </p:spPr>
         <p:txBody>
-          <a:bodyPr anchor="b">
-            <a:normAutofit fontScale="90000"/>
-          </a:bodyPr>
-          <a:lstStyle/>
-          <a:p>
-            <a:pPr algn="ctr"/>
-            <a:r>
-              <a:rPr lang="en-US" sz="4800" b="0" dirty="0"/>
-              <a:t>Software Engineering Semester 2</a:t>
-            </a:r>
-            <a:br>
-              <a:rPr lang="en-US" sz="4800" b="0" dirty="0"/>
-            </a:br>
-            <a:r>
-              <a:rPr lang="en-US" sz="4800" b="0" dirty="0"/>
-              <a:t>Group 3 Melior</a:t>
-            </a:r>
-            <a:br>
-              <a:rPr lang="en-US" sz="4800" b="0" dirty="0"/>
-            </a:br>
-            <a:endParaRPr lang="en-US" sz="4800" b="0" dirty="0"/>
-          </a:p>
-        </p:txBody>
-      </p:sp>
-      <p:sp>
-        <p:nvSpPr>
-          <p:cNvPr id="3" name="Subtitle 2"/>
-          <p:cNvSpPr>
-            <a:spLocks noGrp="1"/>
-          </p:cNvSpPr>
-          <p:nvPr>
-            <p:ph type="subTitle" idx="1"/>
-          </p:nvPr>
-        </p:nvSpPr>
-        <p:spPr>
-          <a:xfrm>
-            <a:off x="477980" y="4815049"/>
-            <a:ext cx="4023359" cy="1806166"/>
-          </a:xfrm>
-        </p:spPr>
-        <p:txBody>
-          <a:bodyPr vert="horz" lIns="91440" tIns="45720" rIns="91440" bIns="45720" rtlCol="0" anchor="t">
-            <a:normAutofit lnSpcReduction="10000"/>
+          <a:bodyPr vert="horz" lIns="91440" tIns="45720" rIns="91440" bIns="45720" rtlCol="0" anchor="ctr">
+            <a:normAutofit/>
           </a:bodyPr>
           <a:lstStyle/>
           <a:p>
             <a:r>
-              <a:rPr lang="en-US" sz="2000" dirty="0"/>
-              <a:t>Group Members:</a:t>
+              <a:rPr lang="en-US" sz="2400" b="0" dirty="0"/>
+              <a:t>Software Engineering Semester 2</a:t>
             </a:r>
-          </a:p>
-          <a:p>
-            <a:pPr marL="285750" indent="-285750">
-              <a:buFont typeface="Wingdings" panose="020B0604020202020204" pitchFamily="34" charset="0"/>
-              <a:buChar char="Ø"/>
-            </a:pPr>
+            <a:br>
+              <a:rPr lang="en-US" sz="2400" b="0" dirty="0"/>
+            </a:br>
             <a:r>
-              <a:rPr lang="en-US" sz="1400" dirty="0" err="1"/>
-              <a:t>Osuntuyi</a:t>
-            </a:r>
-            <a:r>
-              <a:rPr lang="en-US" sz="1400" dirty="0"/>
-              <a:t>  Michael </a:t>
-            </a:r>
-            <a:r>
-              <a:rPr lang="en-US" sz="1400" b="1" dirty="0"/>
-              <a:t>3870707 </a:t>
-            </a:r>
-          </a:p>
-          <a:p>
-            <a:pPr marL="285750" indent="-285750">
-              <a:buFont typeface="Wingdings" panose="020B0604020202020204" pitchFamily="34" charset="0"/>
-              <a:buChar char="Ø"/>
-            </a:pPr>
-            <a:r>
-              <a:rPr lang="en-US" sz="1400" dirty="0"/>
-              <a:t>Moonen Luc </a:t>
-            </a:r>
-            <a:r>
-              <a:rPr lang="en-US" sz="1400" b="1" dirty="0"/>
-              <a:t>435115</a:t>
-            </a:r>
-          </a:p>
-          <a:p>
-            <a:pPr marL="285750" indent="-285750">
-              <a:buFont typeface="Wingdings" panose="020B0604020202020204" pitchFamily="34" charset="0"/>
-              <a:buChar char="Ø"/>
-            </a:pPr>
-            <a:r>
-              <a:rPr lang="en-US" sz="1400" dirty="0"/>
-              <a:t>Smirnov Kirill </a:t>
-            </a:r>
-            <a:r>
-              <a:rPr lang="en-US" sz="1400" b="1" cap="all" dirty="0">
-                <a:ea typeface="+mn-lt"/>
-                <a:cs typeface="+mn-lt"/>
-              </a:rPr>
-              <a:t>3775321</a:t>
-            </a:r>
-          </a:p>
-          <a:p>
-            <a:pPr marL="285750" indent="-285750">
-              <a:buFont typeface="Wingdings" panose="020B0604020202020204" pitchFamily="34" charset="0"/>
-              <a:buChar char="Ø"/>
-            </a:pPr>
-            <a:r>
-              <a:rPr lang="en-US" sz="1400" dirty="0" err="1"/>
-              <a:t>Ebowusim</a:t>
-            </a:r>
-            <a:r>
-              <a:rPr lang="en-US" sz="1400" dirty="0"/>
-              <a:t> Michael </a:t>
-            </a:r>
-            <a:r>
-              <a:rPr lang="en-US" sz="1400" b="1" dirty="0"/>
-              <a:t>4050630</a:t>
+              <a:rPr lang="en-US" sz="2400" b="0" dirty="0"/>
+              <a:t>Group 3</a:t>
             </a:r>
           </a:p>
         </p:txBody>
       </p:sp>
       <p:sp>
         <p:nvSpPr>
-          <p:cNvPr id="58" name="Rectangle 62">
+          <p:cNvPr id="87" name="Rectangle 79">
             <a:extLst>
               <a:ext uri="{FF2B5EF4-FFF2-40B4-BE49-F238E27FC236}">
-                <a16:creationId xmlns:a16="http://schemas.microsoft.com/office/drawing/2014/main" id="{AF2F604E-43BE-4DC3-B983-E071523364F8}"/>
+                <a16:creationId xmlns:a16="http://schemas.microsoft.com/office/drawing/2014/main" id="{A67483D0-BAEB-4927-88AD-76F5DA8468DE}"/>
               </a:ext>
               <a:ext uri="{C183D7F6-B498-43B3-948B-1728B52AA6E4}">
                 <adec:decorative xmlns:adec="http://schemas.microsoft.com/office/drawing/2017/decorative" val="1"/>
@@ -22360,9 +22559,9 @@
           </p:nvPr>
         </p:nvSpPr>
         <p:spPr>
-          <a:xfrm rot="5400000">
-            <a:off x="759921" y="346791"/>
-            <a:ext cx="146304" cy="704088"/>
+          <a:xfrm>
+            <a:off x="522494" y="4565724"/>
+            <a:ext cx="128016" cy="653903"/>
           </a:xfrm>
           <a:prstGeom prst="rect">
             <a:avLst/>
@@ -22430,10 +22629,10 @@
       </p:sp>
       <p:sp>
         <p:nvSpPr>
-          <p:cNvPr id="65" name="Rectangle 64">
+          <p:cNvPr id="88" name="Rectangle 81">
             <a:extLst>
               <a:ext uri="{FF2B5EF4-FFF2-40B4-BE49-F238E27FC236}">
-                <a16:creationId xmlns:a16="http://schemas.microsoft.com/office/drawing/2014/main" id="{08C9B587-E65E-4B52-B37C-ABEBB6E87928}"/>
+                <a16:creationId xmlns:a16="http://schemas.microsoft.com/office/drawing/2014/main" id="{0DBB7B12-4298-4CFB-B539-44A91C930328}"/>
               </a:ext>
               <a:ext uri="{C183D7F6-B498-43B3-948B-1728B52AA6E4}">
                 <adec:decorative xmlns:adec="http://schemas.microsoft.com/office/drawing/2017/decorative" val="1"/>
@@ -22452,9 +22651,9 @@
           </p:nvPr>
         </p:nvSpPr>
         <p:spPr>
-          <a:xfrm>
-            <a:off x="481029" y="4546920"/>
-            <a:ext cx="3977640" cy="18288"/>
+          <a:xfrm rot="5400000">
+            <a:off x="2398918" y="4897628"/>
+            <a:ext cx="1463040" cy="9144"/>
           </a:xfrm>
           <a:prstGeom prst="rect">
             <a:avLst/>
@@ -22466,12 +22665,7 @@
             </a:schemeClr>
           </a:solidFill>
           <a:ln w="3175">
-            <a:solidFill>
-              <a:schemeClr val="tx2">
-                <a:lumMod val="25000"/>
-                <a:lumOff val="75000"/>
-              </a:schemeClr>
-            </a:solidFill>
+            <a:noFill/>
           </a:ln>
           <a:effectLst/>
         </p:spPr>
@@ -22531,6 +22725,124 @@
       </p:sp>
       <p:sp>
         <p:nvSpPr>
+          <p:cNvPr id="3" name="Subtitle 2"/>
+          <p:cNvSpPr>
+            <a:spLocks noGrp="1"/>
+          </p:cNvSpPr>
+          <p:nvPr>
+            <p:ph type="subTitle" idx="1"/>
+          </p:nvPr>
+        </p:nvSpPr>
+        <p:spPr>
+          <a:xfrm>
+            <a:off x="3360563" y="3849688"/>
+            <a:ext cx="3315810" cy="2105025"/>
+          </a:xfrm>
+        </p:spPr>
+        <p:txBody>
+          <a:bodyPr vert="horz" lIns="91440" tIns="45720" rIns="91440" bIns="45720" rtlCol="0" anchor="ctr">
+            <a:normAutofit/>
+          </a:bodyPr>
+          <a:lstStyle/>
+          <a:p>
+            <a:pPr indent="-228600">
+              <a:buFont typeface="Arial" panose="020B0604020202020204" pitchFamily="34" charset="0"/>
+              <a:buChar char="•"/>
+            </a:pPr>
+            <a:r>
+              <a:rPr lang="en-US" sz="1600"/>
+              <a:t>Group Members:</a:t>
+            </a:r>
+          </a:p>
+          <a:p>
+            <a:pPr marL="285750" indent="-228600">
+              <a:buFont typeface="Arial" panose="020B0604020202020204" pitchFamily="34" charset="0"/>
+              <a:buChar char="•"/>
+            </a:pPr>
+            <a:r>
+              <a:rPr lang="en-US" sz="1600"/>
+              <a:t>Osuntuyi  Michael </a:t>
+            </a:r>
+            <a:r>
+              <a:rPr lang="en-US" sz="1600" b="1"/>
+              <a:t>3870707 </a:t>
+            </a:r>
+          </a:p>
+          <a:p>
+            <a:pPr marL="285750" indent="-228600">
+              <a:buFont typeface="Arial" panose="020B0604020202020204" pitchFamily="34" charset="0"/>
+              <a:buChar char="•"/>
+            </a:pPr>
+            <a:r>
+              <a:rPr lang="en-US" sz="1600"/>
+              <a:t>Moonen Luc </a:t>
+            </a:r>
+            <a:r>
+              <a:rPr lang="en-US" sz="1600" b="1"/>
+              <a:t>435115</a:t>
+            </a:r>
+          </a:p>
+          <a:p>
+            <a:pPr marL="285750" indent="-228600">
+              <a:buFont typeface="Arial" panose="020B0604020202020204" pitchFamily="34" charset="0"/>
+              <a:buChar char="•"/>
+            </a:pPr>
+            <a:r>
+              <a:rPr lang="en-US" sz="1600"/>
+              <a:t>Smirnov Kirill </a:t>
+            </a:r>
+            <a:r>
+              <a:rPr lang="en-US" sz="1600" b="1" cap="all"/>
+              <a:t>3775321</a:t>
+            </a:r>
+          </a:p>
+          <a:p>
+            <a:pPr marL="285750" indent="-228600">
+              <a:buFont typeface="Arial" panose="020B0604020202020204" pitchFamily="34" charset="0"/>
+              <a:buChar char="•"/>
+            </a:pPr>
+            <a:r>
+              <a:rPr lang="en-US" sz="1600"/>
+              <a:t>Ebowusim Michael </a:t>
+            </a:r>
+            <a:r>
+              <a:rPr lang="en-US" sz="1600" b="1"/>
+              <a:t>4050630</a:t>
+            </a:r>
+          </a:p>
+        </p:txBody>
+      </p:sp>
+      <p:pic>
+        <p:nvPicPr>
+          <p:cNvPr id="25" name="Picture 3">
+            <a:extLst>
+              <a:ext uri="{FF2B5EF4-FFF2-40B4-BE49-F238E27FC236}">
+                <a16:creationId xmlns:a16="http://schemas.microsoft.com/office/drawing/2014/main" id="{3515A88C-30A2-4BD1-B798-EC94F635DBFC}"/>
+              </a:ext>
+            </a:extLst>
+          </p:cNvPr>
+          <p:cNvPicPr>
+            <a:picLocks noChangeAspect="1"/>
+          </p:cNvPicPr>
+          <p:nvPr/>
+        </p:nvPicPr>
+        <p:blipFill rotWithShape="1">
+          <a:blip r:embed="rId3"/>
+          <a:srcRect l="20167" r="20201" b="1"/>
+          <a:stretch/>
+        </p:blipFill>
+        <p:spPr>
+          <a:xfrm>
+            <a:off x="7048500" y="365111"/>
+            <a:ext cx="4621006" cy="5811838"/>
+          </a:xfrm>
+          <a:prstGeom prst="rect">
+            <a:avLst/>
+          </a:prstGeom>
+        </p:spPr>
+      </p:pic>
+      <p:sp>
+        <p:nvSpPr>
           <p:cNvPr id="30" name="TextBox 29">
             <a:extLst>
               <a:ext uri="{FF2B5EF4-FFF2-40B4-BE49-F238E27FC236}">
@@ -22543,7 +22855,7 @@
         </p:nvSpPr>
         <p:spPr>
           <a:xfrm>
-            <a:off x="480349" y="3967410"/>
+            <a:off x="841248" y="5672336"/>
             <a:ext cx="3823502" cy="369332"/>
           </a:xfrm>
           <a:prstGeom prst="rect">
@@ -22560,9 +22872,14 @@
           </a:bodyPr>
           <a:lstStyle/>
           <a:p>
+            <a:pPr>
+              <a:spcAft>
+                <a:spcPts val="600"/>
+              </a:spcAft>
+            </a:pPr>
             <a:r>
               <a:rPr lang="en-US" dirty="0"/>
-              <a:t>Media Bazzar Software</a:t>
+              <a:t>Media Bazaar Software</a:t>
             </a:r>
           </a:p>
         </p:txBody>
@@ -22577,13 +22894,13 @@
   <p:clrMapOvr>
     <a:masterClrMapping/>
   </p:clrMapOvr>
-  <mc:AlternateContent xmlns:mc="http://schemas.openxmlformats.org/markup-compatibility/2006">
-    <mc:Choice xmlns:p14="http://schemas.microsoft.com/office/powerpoint/2010/main" Requires="p14">
+  <mc:AlternateContent xmlns:mc="http://schemas.openxmlformats.org/markup-compatibility/2006" xmlns:p14="http://schemas.microsoft.com/office/powerpoint/2010/main">
+    <mc:Choice Requires="p14">
       <p:transition spd="slow" p14:dur="3900">
         <p14:glitter pattern="hexagon"/>
       </p:transition>
     </mc:Choice>
-    <mc:Fallback>
+    <mc:Fallback xmlns="">
       <p:transition spd="slow">
         <p:fade/>
       </p:transition>
@@ -22610,28 +22927,83 @@
                             </p:stCondLst>
                             <p:childTnLst>
                               <p:par>
-                                <p:cTn id="5" presetID="26" presetClass="emph" presetSubtype="0" fill="hold" nodeType="clickEffect">
+                                <p:cTn id="5" presetID="42" presetClass="entr" presetSubtype="0" fill="hold" nodeType="clickEffect">
                                   <p:stCondLst>
                                     <p:cond delay="0"/>
                                   </p:stCondLst>
                                   <p:childTnLst>
-                                    <p:animEffect transition="out" filter="fade">
+                                    <p:set>
                                       <p:cBhvr>
-                                        <p:cTn id="6" dur="500" tmFilter="0, 0; .2, .5; .8, .5; 1, 0"/>
+                                        <p:cTn id="6" dur="1" fill="hold">
+                                          <p:stCondLst>
+                                            <p:cond delay="0"/>
+                                          </p:stCondLst>
+                                        </p:cTn>
                                         <p:tgtEl>
-                                          <p:spTgt spid="25"/>
+                                          <p:spTgt spid="4"/>
+                                        </p:tgtEl>
+                                        <p:attrNameLst>
+                                          <p:attrName>style.visibility</p:attrName>
+                                        </p:attrNameLst>
+                                      </p:cBhvr>
+                                      <p:to>
+                                        <p:strVal val="visible"/>
+                                      </p:to>
+                                    </p:set>
+                                    <p:animEffect transition="in" filter="fade">
+                                      <p:cBhvr>
+                                        <p:cTn id="7" dur="1000"/>
+                                        <p:tgtEl>
+                                          <p:spTgt spid="4"/>
                                         </p:tgtEl>
                                       </p:cBhvr>
                                     </p:animEffect>
-                                    <p:animScale>
+                                    <p:anim calcmode="lin" valueType="num">
                                       <p:cBhvr>
-                                        <p:cTn id="7" dur="250" autoRev="1" fill="hold"/>
+                                        <p:cTn id="8" dur="1000" fill="hold"/>
                                         <p:tgtEl>
-                                          <p:spTgt spid="25"/>
+                                          <p:spTgt spid="4"/>
                                         </p:tgtEl>
+                                        <p:attrNameLst>
+                                          <p:attrName>ppt_x</p:attrName>
+                                        </p:attrNameLst>
                                       </p:cBhvr>
-                                      <p:by x="105000" y="105000"/>
-                                    </p:animScale>
+                                      <p:tavLst>
+                                        <p:tav tm="0">
+                                          <p:val>
+                                            <p:strVal val="#ppt_x"/>
+                                          </p:val>
+                                        </p:tav>
+                                        <p:tav tm="100000">
+                                          <p:val>
+                                            <p:strVal val="#ppt_x"/>
+                                          </p:val>
+                                        </p:tav>
+                                      </p:tavLst>
+                                    </p:anim>
+                                    <p:anim calcmode="lin" valueType="num">
+                                      <p:cBhvr>
+                                        <p:cTn id="9" dur="1000" fill="hold"/>
+                                        <p:tgtEl>
+                                          <p:spTgt spid="4"/>
+                                        </p:tgtEl>
+                                        <p:attrNameLst>
+                                          <p:attrName>ppt_y</p:attrName>
+                                        </p:attrNameLst>
+                                      </p:cBhvr>
+                                      <p:tavLst>
+                                        <p:tav tm="0">
+                                          <p:val>
+                                            <p:strVal val="#ppt_y+.1"/>
+                                          </p:val>
+                                        </p:tav>
+                                        <p:tav tm="100000">
+                                          <p:val>
+                                            <p:strVal val="#ppt_y"/>
+                                          </p:val>
+                                        </p:tav>
+                                      </p:tavLst>
+                                    </p:anim>
                                   </p:childTnLst>
                                 </p:cTn>
                               </p:par>
@@ -23218,13 +23590,13 @@
   <p:clrMapOvr>
     <a:masterClrMapping/>
   </p:clrMapOvr>
-  <mc:AlternateContent xmlns:mc="http://schemas.openxmlformats.org/markup-compatibility/2006">
-    <mc:Choice xmlns:p15="http://schemas.microsoft.com/office/powerpoint/2012/main" Requires="p15">
+  <mc:AlternateContent xmlns:mc="http://schemas.openxmlformats.org/markup-compatibility/2006" xmlns:p15="http://schemas.microsoft.com/office/powerpoint/2012/main">
+    <mc:Choice Requires="p15">
       <p:transition xmlns:p14="http://schemas.microsoft.com/office/powerpoint/2010/main" spd="slow" p14:dur="2000">
         <p15:prstTrans prst="drape"/>
       </p:transition>
     </mc:Choice>
-    <mc:Fallback>
+    <mc:Fallback xmlns="">
       <p:transition spd="slow">
         <p:fade/>
       </p:transition>
@@ -23582,13 +23954,13 @@
   <p:clrMapOvr>
     <a:masterClrMapping/>
   </p:clrMapOvr>
-  <mc:AlternateContent xmlns:mc="http://schemas.openxmlformats.org/markup-compatibility/2006">
-    <mc:Choice xmlns:p15="http://schemas.microsoft.com/office/powerpoint/2012/main" Requires="p15">
+  <mc:AlternateContent xmlns:mc="http://schemas.openxmlformats.org/markup-compatibility/2006" xmlns:p15="http://schemas.microsoft.com/office/powerpoint/2012/main">
+    <mc:Choice Requires="p15">
       <p:transition xmlns:p14="http://schemas.microsoft.com/office/powerpoint/2010/main" spd="slow" p14:dur="2000">
         <p15:prstTrans prst="drape"/>
       </p:transition>
     </mc:Choice>
-    <mc:Fallback>
+    <mc:Fallback xmlns="">
       <p:transition spd="slow">
         <p:fade/>
       </p:transition>
@@ -23946,13 +24318,13 @@
   <p:clrMapOvr>
     <a:masterClrMapping/>
   </p:clrMapOvr>
-  <mc:AlternateContent xmlns:mc="http://schemas.openxmlformats.org/markup-compatibility/2006">
-    <mc:Choice xmlns:p15="http://schemas.microsoft.com/office/powerpoint/2012/main" Requires="p15">
+  <mc:AlternateContent xmlns:mc="http://schemas.openxmlformats.org/markup-compatibility/2006" xmlns:p15="http://schemas.microsoft.com/office/powerpoint/2012/main">
+    <mc:Choice Requires="p15">
       <p:transition xmlns:p14="http://schemas.microsoft.com/office/powerpoint/2010/main" spd="slow" p14:dur="2000">
         <p15:prstTrans prst="drape"/>
       </p:transition>
     </mc:Choice>
-    <mc:Fallback>
+    <mc:Fallback xmlns="">
       <p:transition spd="slow">
         <p:fade/>
       </p:transition>
@@ -24310,13 +24682,13 @@
   <p:clrMapOvr>
     <a:masterClrMapping/>
   </p:clrMapOvr>
-  <mc:AlternateContent xmlns:mc="http://schemas.openxmlformats.org/markup-compatibility/2006">
-    <mc:Choice xmlns:p15="http://schemas.microsoft.com/office/powerpoint/2012/main" Requires="p15">
+  <mc:AlternateContent xmlns:mc="http://schemas.openxmlformats.org/markup-compatibility/2006" xmlns:p15="http://schemas.microsoft.com/office/powerpoint/2012/main">
+    <mc:Choice Requires="p15">
       <p:transition xmlns:p14="http://schemas.microsoft.com/office/powerpoint/2010/main" spd="slow" p14:dur="2000">
         <p15:prstTrans prst="drape"/>
       </p:transition>
     </mc:Choice>
-    <mc:Fallback>
+    <mc:Fallback xmlns="">
       <p:transition spd="slow">
         <p:fade/>
       </p:transition>
@@ -24832,13 +25204,13 @@
   <p:clrMapOvr>
     <a:masterClrMapping/>
   </p:clrMapOvr>
-  <mc:AlternateContent xmlns:mc="http://schemas.openxmlformats.org/markup-compatibility/2006">
-    <mc:Choice xmlns:p15="http://schemas.microsoft.com/office/powerpoint/2012/main" Requires="p15">
+  <mc:AlternateContent xmlns:mc="http://schemas.openxmlformats.org/markup-compatibility/2006" xmlns:p15="http://schemas.microsoft.com/office/powerpoint/2012/main">
+    <mc:Choice Requires="p15">
       <p:transition xmlns:p14="http://schemas.microsoft.com/office/powerpoint/2010/main" spd="slow" p14:dur="2000">
         <p15:prstTrans prst="drape"/>
       </p:transition>
     </mc:Choice>
-    <mc:Fallback>
+    <mc:Fallback xmlns="">
       <p:transition spd="slow">
         <p:fade/>
       </p:transition>
@@ -25196,13 +25568,13 @@
   <p:clrMapOvr>
     <a:masterClrMapping/>
   </p:clrMapOvr>
-  <mc:AlternateContent xmlns:mc="http://schemas.openxmlformats.org/markup-compatibility/2006">
-    <mc:Choice xmlns:p15="http://schemas.microsoft.com/office/powerpoint/2012/main" Requires="p15">
+  <mc:AlternateContent xmlns:mc="http://schemas.openxmlformats.org/markup-compatibility/2006" xmlns:p15="http://schemas.microsoft.com/office/powerpoint/2012/main">
+    <mc:Choice Requires="p15">
       <p:transition xmlns:p14="http://schemas.microsoft.com/office/powerpoint/2010/main" spd="slow" p14:dur="2000">
         <p15:prstTrans prst="drape"/>
       </p:transition>
     </mc:Choice>
-    <mc:Fallback>
+    <mc:Fallback xmlns="">
       <p:transition spd="slow">
         <p:fade/>
       </p:transition>
@@ -25617,13 +25989,13 @@
   <p:clrMapOvr>
     <a:masterClrMapping/>
   </p:clrMapOvr>
-  <mc:AlternateContent xmlns:mc="http://schemas.openxmlformats.org/markup-compatibility/2006">
-    <mc:Choice xmlns:p15="http://schemas.microsoft.com/office/powerpoint/2012/main" Requires="p15">
+  <mc:AlternateContent xmlns:mc="http://schemas.openxmlformats.org/markup-compatibility/2006" xmlns:p15="http://schemas.microsoft.com/office/powerpoint/2012/main">
+    <mc:Choice Requires="p15">
       <p:transition xmlns:p14="http://schemas.microsoft.com/office/powerpoint/2010/main" spd="slow" p14:dur="2000">
         <p15:prstTrans prst="drape"/>
       </p:transition>
     </mc:Choice>
-    <mc:Fallback>
+    <mc:Fallback xmlns="">
       <p:transition spd="slow">
         <p:fade/>
       </p:transition>
@@ -25988,13 +26360,13 @@
   <p:clrMapOvr>
     <a:masterClrMapping/>
   </p:clrMapOvr>
-  <mc:AlternateContent xmlns:mc="http://schemas.openxmlformats.org/markup-compatibility/2006">
-    <mc:Choice xmlns:p15="http://schemas.microsoft.com/office/powerpoint/2012/main" Requires="p15">
+  <mc:AlternateContent xmlns:mc="http://schemas.openxmlformats.org/markup-compatibility/2006" xmlns:p15="http://schemas.microsoft.com/office/powerpoint/2012/main">
+    <mc:Choice Requires="p15">
       <p:transition xmlns:p14="http://schemas.microsoft.com/office/powerpoint/2010/main" spd="slow" p14:dur="2000">
         <p15:prstTrans prst="drape"/>
       </p:transition>
     </mc:Choice>
-    <mc:Fallback>
+    <mc:Fallback xmlns="">
       <p:transition spd="slow">
         <p:fade/>
       </p:transition>
@@ -26548,13 +26920,13 @@
   <p:clrMapOvr>
     <a:masterClrMapping/>
   </p:clrMapOvr>
-  <mc:AlternateContent xmlns:mc="http://schemas.openxmlformats.org/markup-compatibility/2006">
-    <mc:Choice xmlns:p15="http://schemas.microsoft.com/office/powerpoint/2012/main" Requires="p15">
+  <mc:AlternateContent xmlns:mc="http://schemas.openxmlformats.org/markup-compatibility/2006" xmlns:p15="http://schemas.microsoft.com/office/powerpoint/2012/main">
+    <mc:Choice Requires="p15">
       <p:transition xmlns:p14="http://schemas.microsoft.com/office/powerpoint/2010/main" spd="slow" p14:dur="2000">
         <p15:prstTrans prst="drape"/>
       </p:transition>
     </mc:Choice>
-    <mc:Fallback>
+    <mc:Fallback xmlns="">
       <p:transition spd="slow">
         <p:fade/>
       </p:transition>
